--- a/docs/PPT/01-GuidanceStudy/高效源码学习技巧.pptx
+++ b/docs/PPT/01-GuidanceStudy/高效源码学习技巧.pptx
@@ -111,6 +111,11 @@
       </a:defRPr>
     </a:lvl9pPr>
   </p:defaultTextStyle>
+  <p:extLst>
+    <p:ext uri="{EFAFB233-063F-42B5-8137-9DF3F51BA10A}">
+      <p15:sldGuideLst xmlns:p15="http://schemas.microsoft.com/office/powerpoint/2012/main"/>
+    </p:ext>
+  </p:extLst>
 </p:presentation>
 </file>
 
@@ -331,7 +336,7 @@
           <a:p>
             <a:fld id="{365E988B-CA4D-41B7-80CC-C5482B710C81}" type="datetimeFigureOut">
               <a:rPr lang="zh-CN" altLang="en-US" smtClean="0"/>
-              <a:t>2019/7/5</a:t>
+              <a:t>2019/7/6</a:t>
             </a:fld>
             <a:endParaRPr lang="zh-CN" altLang="en-US"/>
           </a:p>
@@ -839,7 +844,7 @@
           <a:p>
             <a:fld id="{365E988B-CA4D-41B7-80CC-C5482B710C81}" type="datetimeFigureOut">
               <a:rPr lang="zh-CN" altLang="en-US" smtClean="0"/>
-              <a:t>2019/7/5</a:t>
+              <a:t>2019/7/6</a:t>
             </a:fld>
             <a:endParaRPr lang="zh-CN" altLang="en-US"/>
           </a:p>
@@ -1251,7 +1256,7 @@
           <a:p>
             <a:fld id="{365E988B-CA4D-41B7-80CC-C5482B710C81}" type="datetimeFigureOut">
               <a:rPr lang="zh-CN" altLang="en-US" smtClean="0"/>
-              <a:t>2019/7/5</a:t>
+              <a:t>2019/7/6</a:t>
             </a:fld>
             <a:endParaRPr lang="zh-CN" altLang="en-US"/>
           </a:p>
@@ -1392,7 +1397,7 @@
           <a:p>
             <a:fld id="{365E988B-CA4D-41B7-80CC-C5482B710C81}" type="datetimeFigureOut">
               <a:rPr lang="zh-CN" altLang="en-US" smtClean="0"/>
-              <a:t>2019/7/5</a:t>
+              <a:t>2019/7/6</a:t>
             </a:fld>
             <a:endParaRPr lang="zh-CN" altLang="en-US"/>
           </a:p>
@@ -1505,7 +1510,7 @@
           <a:p>
             <a:fld id="{365E988B-CA4D-41B7-80CC-C5482B710C81}" type="datetimeFigureOut">
               <a:rPr lang="zh-CN" altLang="en-US" smtClean="0"/>
-              <a:t>2019/7/5</a:t>
+              <a:t>2019/7/6</a:t>
             </a:fld>
             <a:endParaRPr lang="zh-CN" altLang="en-US"/>
           </a:p>
@@ -1816,7 +1821,7 @@
           <a:p>
             <a:fld id="{365E988B-CA4D-41B7-80CC-C5482B710C81}" type="datetimeFigureOut">
               <a:rPr lang="zh-CN" altLang="en-US" smtClean="0"/>
-              <a:t>2019/7/5</a:t>
+              <a:t>2019/7/6</a:t>
             </a:fld>
             <a:endParaRPr lang="zh-CN" altLang="en-US"/>
           </a:p>
@@ -2104,7 +2109,7 @@
           <a:p>
             <a:fld id="{365E988B-CA4D-41B7-80CC-C5482B710C81}" type="datetimeFigureOut">
               <a:rPr lang="zh-CN" altLang="en-US" smtClean="0"/>
-              <a:t>2019/7/5</a:t>
+              <a:t>2019/7/6</a:t>
             </a:fld>
             <a:endParaRPr lang="zh-CN" altLang="en-US"/>
           </a:p>
@@ -2302,7 +2307,7 @@
           <a:p>
             <a:fld id="{365E988B-CA4D-41B7-80CC-C5482B710C81}" type="datetimeFigureOut">
               <a:rPr lang="zh-CN" altLang="en-US" smtClean="0"/>
-              <a:t>2019/7/5</a:t>
+              <a:t>2019/7/6</a:t>
             </a:fld>
             <a:endParaRPr lang="zh-CN" altLang="en-US"/>
           </a:p>
@@ -2543,7 +2548,7 @@
           <a:p>
             <a:fld id="{365E988B-CA4D-41B7-80CC-C5482B710C81}" type="datetimeFigureOut">
               <a:rPr lang="zh-CN" altLang="en-US" smtClean="0"/>
-              <a:t>2019/7/5</a:t>
+              <a:t>2019/7/6</a:t>
             </a:fld>
             <a:endParaRPr lang="zh-CN" altLang="en-US"/>
           </a:p>
@@ -2996,94 +3001,6 @@
               </a:rPr>
               <a:t>高效源码学习技巧</a:t>
             </a:r>
-          </a:p>
-        </p:txBody>
-      </p:sp>
-      <p:sp>
-        <p:nvSpPr>
-          <p:cNvPr id="5" name="文本框 4">
-            <a:extLst>
-              <a:ext uri="{FF2B5EF4-FFF2-40B4-BE49-F238E27FC236}">
-                <a16:creationId xmlns:a16="http://schemas.microsoft.com/office/drawing/2014/main" id="{AE19E52D-F150-40BD-B804-7B9B1E3ACBE1}"/>
-              </a:ext>
-            </a:extLst>
-          </p:cNvPr>
-          <p:cNvSpPr txBox="1"/>
-          <p:nvPr/>
-        </p:nvSpPr>
-        <p:spPr>
-          <a:xfrm>
-            <a:off x="2841865" y="3429000"/>
-            <a:ext cx="6543779" cy="461665"/>
-          </a:xfrm>
-          <a:prstGeom prst="rect">
-            <a:avLst/>
-          </a:prstGeom>
-          <a:noFill/>
-        </p:spPr>
-        <p:txBody>
-          <a:bodyPr wrap="none" rtlCol="0">
-            <a:spAutoFit/>
-          </a:bodyPr>
-          <a:lstStyle/>
-          <a:p>
-            <a:r>
-              <a:rPr lang="en-US" altLang="zh-CN" sz="2400" dirty="0">
-                <a:solidFill>
-                  <a:schemeClr val="bg1">
-                    <a:lumMod val="65000"/>
-                  </a:schemeClr>
-                </a:solidFill>
-              </a:rPr>
-              <a:t>《</a:t>
-            </a:r>
-            <a:r>
-              <a:rPr lang="zh-CN" altLang="en-US" sz="2400" dirty="0">
-                <a:solidFill>
-                  <a:schemeClr val="bg1">
-                    <a:lumMod val="65000"/>
-                  </a:schemeClr>
-                </a:solidFill>
-              </a:rPr>
-              <a:t>前端高级开发工程师</a:t>
-            </a:r>
-            <a:r>
-              <a:rPr lang="en-US" altLang="zh-CN" sz="2400" dirty="0">
-                <a:solidFill>
-                  <a:schemeClr val="bg1">
-                    <a:lumMod val="65000"/>
-                  </a:schemeClr>
-                </a:solidFill>
-              </a:rPr>
-              <a:t>》Q1901</a:t>
-            </a:r>
-            <a:r>
-              <a:rPr lang="zh-CN" altLang="en-US" sz="2400" dirty="0">
-                <a:solidFill>
-                  <a:schemeClr val="bg1">
-                    <a:lumMod val="65000"/>
-                  </a:schemeClr>
-                </a:solidFill>
-              </a:rPr>
-              <a:t>期 班级预备课</a:t>
-            </a:r>
-            <a:r>
-              <a:rPr lang="en-US" altLang="zh-CN" sz="2400" dirty="0">
-                <a:solidFill>
-                  <a:schemeClr val="bg1">
-                    <a:lumMod val="65000"/>
-                  </a:schemeClr>
-                </a:solidFill>
-              </a:rPr>
-              <a:t>2</a:t>
-            </a:r>
-            <a:endParaRPr lang="zh-CN" altLang="en-US" sz="2400" dirty="0">
-              <a:solidFill>
-                <a:schemeClr val="bg1">
-                  <a:lumMod val="65000"/>
-                </a:schemeClr>
-              </a:solidFill>
-            </a:endParaRPr>
           </a:p>
         </p:txBody>
       </p:sp>
